--- a/skills--Presentation/Presentation about Presentation -- Oleksiy Rudenko (150417 eng).pptx
+++ b/skills--Presentation/Presentation about Presentation -- Oleksiy Rudenko (150417 eng).pptx
@@ -130,7 +130,7 @@
   </p:defaultTextStyle>
   <p:extLst>
     <p:ext uri="{EFAFB233-063F-42B5-8137-9DF3F51BA10A}">
-      <p15:sldGuideLst xmlns:p15="http://schemas.microsoft.com/office/powerpoint/2012/main" xmlns="">
+      <p15:sldGuideLst xmlns:p15="http://schemas.microsoft.com/office/powerpoint/2012/main">
         <p15:guide id="1" orient="horz" pos="2160">
           <p15:clr>
             <a:srgbClr val="A4A3A4"/>
@@ -329,7 +329,7 @@
             <a:fld id="{5B106E36-FD25-4E2D-B0AA-010F637433A0}" type="datetimeFigureOut">
               <a:rPr lang="ru-RU" smtClean="0"/>
               <a:pPr/>
-              <a:t>17.04.2015</a:t>
+              <a:t>18.04.2015</a:t>
             </a:fld>
             <a:endParaRPr lang="ru-RU"/>
           </a:p>
@@ -503,7 +503,7 @@
             <a:fld id="{5B106E36-FD25-4E2D-B0AA-010F637433A0}" type="datetimeFigureOut">
               <a:rPr lang="ru-RU" smtClean="0"/>
               <a:pPr/>
-              <a:t>17.04.2015</a:t>
+              <a:t>18.04.2015</a:t>
             </a:fld>
             <a:endParaRPr lang="ru-RU"/>
           </a:p>
@@ -680,7 +680,7 @@
             <a:fld id="{5B106E36-FD25-4E2D-B0AA-010F637433A0}" type="datetimeFigureOut">
               <a:rPr lang="ru-RU" smtClean="0"/>
               <a:pPr/>
-              <a:t>17.04.2015</a:t>
+              <a:t>18.04.2015</a:t>
             </a:fld>
             <a:endParaRPr lang="ru-RU"/>
           </a:p>
@@ -860,7 +860,7 @@
             <a:fld id="{5B106E36-FD25-4E2D-B0AA-010F637433A0}" type="datetimeFigureOut">
               <a:rPr lang="ru-RU" smtClean="0"/>
               <a:pPr/>
-              <a:t>17.04.2015</a:t>
+              <a:t>18.04.2015</a:t>
             </a:fld>
             <a:endParaRPr lang="ru-RU"/>
           </a:p>
@@ -1340,7 +1340,7 @@
             <a:fld id="{5B106E36-FD25-4E2D-B0AA-010F637433A0}" type="datetimeFigureOut">
               <a:rPr lang="ru-RU" smtClean="0"/>
               <a:pPr/>
-              <a:t>17.04.2015</a:t>
+              <a:t>18.04.2015</a:t>
             </a:fld>
             <a:endParaRPr lang="ru-RU"/>
           </a:p>
@@ -1625,7 +1625,7 @@
             <a:fld id="{5B106E36-FD25-4E2D-B0AA-010F637433A0}" type="datetimeFigureOut">
               <a:rPr lang="ru-RU" smtClean="0"/>
               <a:pPr/>
-              <a:t>17.04.2015</a:t>
+              <a:t>18.04.2015</a:t>
             </a:fld>
             <a:endParaRPr lang="ru-RU"/>
           </a:p>
@@ -2044,7 +2044,7 @@
             <a:fld id="{5B106E36-FD25-4E2D-B0AA-010F637433A0}" type="datetimeFigureOut">
               <a:rPr lang="ru-RU" smtClean="0"/>
               <a:pPr/>
-              <a:t>17.04.2015</a:t>
+              <a:t>18.04.2015</a:t>
             </a:fld>
             <a:endParaRPr lang="ru-RU"/>
           </a:p>
@@ -2166,7 +2166,7 @@
             <a:fld id="{5B106E36-FD25-4E2D-B0AA-010F637433A0}" type="datetimeFigureOut">
               <a:rPr lang="ru-RU" smtClean="0"/>
               <a:pPr/>
-              <a:t>17.04.2015</a:t>
+              <a:t>18.04.2015</a:t>
             </a:fld>
             <a:endParaRPr lang="ru-RU"/>
           </a:p>
@@ -2289,7 +2289,7 @@
             <a:fld id="{5B106E36-FD25-4E2D-B0AA-010F637433A0}" type="datetimeFigureOut">
               <a:rPr lang="ru-RU" smtClean="0"/>
               <a:pPr/>
-              <a:t>17.04.2015</a:t>
+              <a:t>18.04.2015</a:t>
             </a:fld>
             <a:endParaRPr lang="ru-RU"/>
           </a:p>
@@ -2563,7 +2563,7 @@
             <a:fld id="{5B106E36-FD25-4E2D-B0AA-010F637433A0}" type="datetimeFigureOut">
               <a:rPr lang="ru-RU" smtClean="0"/>
               <a:pPr/>
-              <a:t>17.04.2015</a:t>
+              <a:t>18.04.2015</a:t>
             </a:fld>
             <a:endParaRPr lang="ru-RU"/>
           </a:p>
@@ -2813,7 +2813,7 @@
             <a:fld id="{5B106E36-FD25-4E2D-B0AA-010F637433A0}" type="datetimeFigureOut">
               <a:rPr lang="ru-RU" smtClean="0"/>
               <a:pPr/>
-              <a:t>17.04.2015</a:t>
+              <a:t>18.04.2015</a:t>
             </a:fld>
             <a:endParaRPr lang="ru-RU"/>
           </a:p>
@@ -3023,7 +3023,7 @@
             <a:fld id="{5B106E36-FD25-4E2D-B0AA-010F637433A0}" type="datetimeFigureOut">
               <a:rPr lang="ru-RU" smtClean="0"/>
               <a:pPr/>
-              <a:t>17.04.2015</a:t>
+              <a:t>18.04.2015</a:t>
             </a:fld>
             <a:endParaRPr lang="ru-RU"/>
           </a:p>
@@ -22922,8 +22922,8 @@
           </p:nvSpPr>
           <p:spPr>
             <a:xfrm rot="18846077">
-              <a:off x="1713212" y="6100539"/>
-              <a:ext cx="556563" cy="246221"/>
+              <a:off x="1860993" y="6037039"/>
+              <a:ext cx="362600" cy="246221"/>
             </a:xfrm>
             <a:prstGeom prst="rect">
               <a:avLst/>
@@ -22938,7 +22938,7 @@
             <a:p>
               <a:r>
                 <a:rPr lang="en-US" sz="1000" dirty="0" smtClean="0"/>
-                <a:t>Master</a:t>
+                <a:t>Pro</a:t>
               </a:r>
               <a:endParaRPr lang="en-GB" sz="1000" dirty="0"/>
             </a:p>
@@ -23540,7 +23540,7 @@
             <a:blip r:embed="rId2" cstate="print">
               <a:extLst>
                 <a:ext uri="{28A0092B-C50C-407E-A947-70E740481C1C}">
-                  <a14:useLocalDpi xmlns:a14="http://schemas.microsoft.com/office/drawing/2010/main" xmlns="" val="0"/>
+                  <a14:useLocalDpi xmlns:a14="http://schemas.microsoft.com/office/drawing/2010/main" val="0"/>
                 </a:ext>
               </a:extLst>
             </a:blip>
@@ -23628,7 +23628,7 @@
     </p:spTree>
     <p:extLst>
       <p:ext uri="{BB962C8B-B14F-4D97-AF65-F5344CB8AC3E}">
-        <p14:creationId xmlns:p14="http://schemas.microsoft.com/office/powerpoint/2010/main" xmlns="" val="1009740622"/>
+        <p14:creationId xmlns:p14="http://schemas.microsoft.com/office/powerpoint/2010/main" val="1009740622"/>
       </p:ext>
     </p:extLst>
   </p:cSld>
@@ -23967,27 +23967,7 @@
                 <a:latin typeface="Arial" panose="020B0604020202020204" pitchFamily="34" charset="0"/>
                 <a:cs typeface="Arial" panose="020B0604020202020204" pitchFamily="34" charset="0"/>
               </a:rPr>
-              <a:t>PM, </a:t>
-            </a:r>
-            <a:r>
-              <a:rPr lang="en-US" sz="1600" dirty="0" smtClean="0">
-                <a:solidFill>
-                  <a:srgbClr val="0070C0"/>
-                </a:solidFill>
-                <a:latin typeface="Arial" panose="020B0604020202020204" pitchFamily="34" charset="0"/>
-                <a:cs typeface="Arial" panose="020B0604020202020204" pitchFamily="34" charset="0"/>
-              </a:rPr>
-              <a:t>Leadership, CRM</a:t>
-            </a:r>
-            <a:r>
-              <a:rPr lang="en-US" sz="1600" dirty="0" smtClean="0">
-                <a:solidFill>
-                  <a:srgbClr val="0070C0"/>
-                </a:solidFill>
-                <a:latin typeface="Arial" panose="020B0604020202020204" pitchFamily="34" charset="0"/>
-                <a:cs typeface="Arial" panose="020B0604020202020204" pitchFamily="34" charset="0"/>
-              </a:rPr>
-              <a:t>, IT, Insurance</a:t>
+              <a:t>PM, Leadership, CRM, IT, Insurance</a:t>
             </a:r>
           </a:p>
           <a:p>
@@ -24032,17 +24012,7 @@
                 <a:latin typeface="Arial" panose="020B0604020202020204" pitchFamily="34" charset="0"/>
                 <a:cs typeface="Arial" panose="020B0604020202020204" pitchFamily="34" charset="0"/>
               </a:rPr>
-              <a:t>Managed, supervised, mentored dozens of projects of different scales</a:t>
-            </a:r>
-            <a:r>
-              <a:rPr lang="en-US" sz="1600" dirty="0" smtClean="0">
-                <a:solidFill>
-                  <a:srgbClr val="0070C0"/>
-                </a:solidFill>
-                <a:latin typeface="Arial" panose="020B0604020202020204" pitchFamily="34" charset="0"/>
-                <a:cs typeface="Arial" panose="020B0604020202020204" pitchFamily="34" charset="0"/>
-              </a:rPr>
-              <a:t>.</a:t>
+              <a:t>Managed, supervised, mentored dozens of projects of different scales.</a:t>
             </a:r>
           </a:p>
           <a:p>
@@ -24065,13 +24035,6 @@
               </a:rPr>
               <a:t>Rate of formal presentations delivery:</a:t>
             </a:r>
-            <a:endParaRPr lang="en-US" sz="1600" b="1" dirty="0" smtClean="0">
-              <a:solidFill>
-                <a:srgbClr val="0070C0"/>
-              </a:solidFill>
-              <a:latin typeface="Arial" panose="020B0604020202020204" pitchFamily="34" charset="0"/>
-              <a:cs typeface="Arial" panose="020B0604020202020204" pitchFamily="34" charset="0"/>
-            </a:endParaRPr>
           </a:p>
           <a:p>
             <a:r>
@@ -24104,13 +24067,6 @@
               </a:rPr>
               <a:t>every month</a:t>
             </a:r>
-            <a:endParaRPr lang="en-US" sz="1600" dirty="0" smtClean="0">
-              <a:solidFill>
-                <a:srgbClr val="0070C0"/>
-              </a:solidFill>
-              <a:latin typeface="Arial" panose="020B0604020202020204" pitchFamily="34" charset="0"/>
-              <a:cs typeface="Arial" panose="020B0604020202020204" pitchFamily="34" charset="0"/>
-            </a:endParaRPr>
           </a:p>
           <a:p>
             <a:endParaRPr lang="en-US" sz="1600" dirty="0">
@@ -24142,17 +24098,7 @@
                 <a:latin typeface="Arial" panose="020B0604020202020204" pitchFamily="34" charset="0"/>
                 <a:cs typeface="Arial" panose="020B0604020202020204" pitchFamily="34" charset="0"/>
               </a:rPr>
-              <a:t>UNIQA Insurance </a:t>
-            </a:r>
-            <a:r>
-              <a:rPr lang="en-US" sz="1600" dirty="0" smtClean="0">
-                <a:solidFill>
-                  <a:srgbClr val="0070C0"/>
-                </a:solidFill>
-                <a:latin typeface="Arial" panose="020B0604020202020204" pitchFamily="34" charset="0"/>
-                <a:cs typeface="Arial" panose="020B0604020202020204" pitchFamily="34" charset="0"/>
-              </a:rPr>
-              <a:t>Group member company</a:t>
+              <a:t>UNIQA Insurance Group member company</a:t>
             </a:r>
           </a:p>
           <a:p>

--- a/skills--Presentation/Presentation about Presentation -- Oleksiy Rudenko (150417 eng).pptx
+++ b/skills--Presentation/Presentation about Presentation -- Oleksiy Rudenko (150417 eng).pptx
@@ -130,7 +130,7 @@
   </p:defaultTextStyle>
   <p:extLst>
     <p:ext uri="{EFAFB233-063F-42B5-8137-9DF3F51BA10A}">
-      <p15:sldGuideLst xmlns:p15="http://schemas.microsoft.com/office/powerpoint/2012/main">
+      <p15:sldGuideLst xmlns="" xmlns:p15="http://schemas.microsoft.com/office/powerpoint/2012/main">
         <p15:guide id="1" orient="horz" pos="2160">
           <p15:clr>
             <a:srgbClr val="A4A3A4"/>
@@ -329,7 +329,7 @@
             <a:fld id="{5B106E36-FD25-4E2D-B0AA-010F637433A0}" type="datetimeFigureOut">
               <a:rPr lang="ru-RU" smtClean="0"/>
               <a:pPr/>
-              <a:t>18.04.2015</a:t>
+              <a:t>22.04.2015</a:t>
             </a:fld>
             <a:endParaRPr lang="ru-RU"/>
           </a:p>
@@ -503,7 +503,7 @@
             <a:fld id="{5B106E36-FD25-4E2D-B0AA-010F637433A0}" type="datetimeFigureOut">
               <a:rPr lang="ru-RU" smtClean="0"/>
               <a:pPr/>
-              <a:t>18.04.2015</a:t>
+              <a:t>22.04.2015</a:t>
             </a:fld>
             <a:endParaRPr lang="ru-RU"/>
           </a:p>
@@ -680,7 +680,7 @@
             <a:fld id="{5B106E36-FD25-4E2D-B0AA-010F637433A0}" type="datetimeFigureOut">
               <a:rPr lang="ru-RU" smtClean="0"/>
               <a:pPr/>
-              <a:t>18.04.2015</a:t>
+              <a:t>22.04.2015</a:t>
             </a:fld>
             <a:endParaRPr lang="ru-RU"/>
           </a:p>
@@ -860,7 +860,7 @@
             <a:fld id="{5B106E36-FD25-4E2D-B0AA-010F637433A0}" type="datetimeFigureOut">
               <a:rPr lang="ru-RU" smtClean="0"/>
               <a:pPr/>
-              <a:t>18.04.2015</a:t>
+              <a:t>22.04.2015</a:t>
             </a:fld>
             <a:endParaRPr lang="ru-RU"/>
           </a:p>
@@ -1340,7 +1340,7 @@
             <a:fld id="{5B106E36-FD25-4E2D-B0AA-010F637433A0}" type="datetimeFigureOut">
               <a:rPr lang="ru-RU" smtClean="0"/>
               <a:pPr/>
-              <a:t>18.04.2015</a:t>
+              <a:t>22.04.2015</a:t>
             </a:fld>
             <a:endParaRPr lang="ru-RU"/>
           </a:p>
@@ -1625,7 +1625,7 @@
             <a:fld id="{5B106E36-FD25-4E2D-B0AA-010F637433A0}" type="datetimeFigureOut">
               <a:rPr lang="ru-RU" smtClean="0"/>
               <a:pPr/>
-              <a:t>18.04.2015</a:t>
+              <a:t>22.04.2015</a:t>
             </a:fld>
             <a:endParaRPr lang="ru-RU"/>
           </a:p>
@@ -2044,7 +2044,7 @@
             <a:fld id="{5B106E36-FD25-4E2D-B0AA-010F637433A0}" type="datetimeFigureOut">
               <a:rPr lang="ru-RU" smtClean="0"/>
               <a:pPr/>
-              <a:t>18.04.2015</a:t>
+              <a:t>22.04.2015</a:t>
             </a:fld>
             <a:endParaRPr lang="ru-RU"/>
           </a:p>
@@ -2166,7 +2166,7 @@
             <a:fld id="{5B106E36-FD25-4E2D-B0AA-010F637433A0}" type="datetimeFigureOut">
               <a:rPr lang="ru-RU" smtClean="0"/>
               <a:pPr/>
-              <a:t>18.04.2015</a:t>
+              <a:t>22.04.2015</a:t>
             </a:fld>
             <a:endParaRPr lang="ru-RU"/>
           </a:p>
@@ -2289,7 +2289,7 @@
             <a:fld id="{5B106E36-FD25-4E2D-B0AA-010F637433A0}" type="datetimeFigureOut">
               <a:rPr lang="ru-RU" smtClean="0"/>
               <a:pPr/>
-              <a:t>18.04.2015</a:t>
+              <a:t>22.04.2015</a:t>
             </a:fld>
             <a:endParaRPr lang="ru-RU"/>
           </a:p>
@@ -2563,7 +2563,7 @@
             <a:fld id="{5B106E36-FD25-4E2D-B0AA-010F637433A0}" type="datetimeFigureOut">
               <a:rPr lang="ru-RU" smtClean="0"/>
               <a:pPr/>
-              <a:t>18.04.2015</a:t>
+              <a:t>22.04.2015</a:t>
             </a:fld>
             <a:endParaRPr lang="ru-RU"/>
           </a:p>
@@ -2813,7 +2813,7 @@
             <a:fld id="{5B106E36-FD25-4E2D-B0AA-010F637433A0}" type="datetimeFigureOut">
               <a:rPr lang="ru-RU" smtClean="0"/>
               <a:pPr/>
-              <a:t>18.04.2015</a:t>
+              <a:t>22.04.2015</a:t>
             </a:fld>
             <a:endParaRPr lang="ru-RU"/>
           </a:p>
@@ -3023,7 +3023,7 @@
             <a:fld id="{5B106E36-FD25-4E2D-B0AA-010F637433A0}" type="datetimeFigureOut">
               <a:rPr lang="ru-RU" smtClean="0"/>
               <a:pPr/>
-              <a:t>18.04.2015</a:t>
+              <a:t>22.04.2015</a:t>
             </a:fld>
             <a:endParaRPr lang="ru-RU"/>
           </a:p>
@@ -23540,7 +23540,7 @@
             <a:blip r:embed="rId2" cstate="print">
               <a:extLst>
                 <a:ext uri="{28A0092B-C50C-407E-A947-70E740481C1C}">
-                  <a14:useLocalDpi xmlns:a14="http://schemas.microsoft.com/office/drawing/2010/main" val="0"/>
+                  <a14:useLocalDpi xmlns="" xmlns:a14="http://schemas.microsoft.com/office/drawing/2010/main" val="0"/>
                 </a:ext>
               </a:extLst>
             </a:blip>
@@ -23628,7 +23628,7 @@
     </p:spTree>
     <p:extLst>
       <p:ext uri="{BB962C8B-B14F-4D97-AF65-F5344CB8AC3E}">
-        <p14:creationId xmlns:p14="http://schemas.microsoft.com/office/powerpoint/2010/main" val="1009740622"/>
+        <p14:creationId xmlns="" xmlns:p14="http://schemas.microsoft.com/office/powerpoint/2010/main" val="1009740622"/>
       </p:ext>
     </p:extLst>
   </p:cSld>
@@ -23878,7 +23878,7 @@
         </p:nvSpPr>
         <p:spPr>
           <a:xfrm>
-            <a:off x="4067944" y="980728"/>
+            <a:off x="4067944" y="772009"/>
             <a:ext cx="4618856" cy="4896544"/>
           </a:xfrm>
           <a:prstGeom prst="rect">
@@ -24033,7 +24033,7 @@
                 <a:latin typeface="Arial" panose="020B0604020202020204" pitchFamily="34" charset="0"/>
                 <a:cs typeface="Arial" panose="020B0604020202020204" pitchFamily="34" charset="0"/>
               </a:rPr>
-              <a:t>Rate of formal presentations delivery:</a:t>
+              <a:t>Rate of formal presentations production:</a:t>
             </a:r>
           </a:p>
           <a:p>
@@ -24045,27 +24045,7 @@
                 <a:latin typeface="Arial" panose="020B0604020202020204" pitchFamily="34" charset="0"/>
                 <a:cs typeface="Arial" panose="020B0604020202020204" pitchFamily="34" charset="0"/>
               </a:rPr>
-              <a:t>At </a:t>
-            </a:r>
-            <a:r>
-              <a:rPr lang="en-US" sz="1600" smtClean="0">
-                <a:solidFill>
-                  <a:srgbClr val="0070C0"/>
-                </a:solidFill>
-                <a:latin typeface="Arial" panose="020B0604020202020204" pitchFamily="34" charset="0"/>
-                <a:cs typeface="Arial" panose="020B0604020202020204" pitchFamily="34" charset="0"/>
-              </a:rPr>
-              <a:t>least one </a:t>
-            </a:r>
-            <a:r>
-              <a:rPr lang="en-US" sz="1600" dirty="0" smtClean="0">
-                <a:solidFill>
-                  <a:srgbClr val="0070C0"/>
-                </a:solidFill>
-                <a:latin typeface="Arial" panose="020B0604020202020204" pitchFamily="34" charset="0"/>
-                <a:cs typeface="Arial" panose="020B0604020202020204" pitchFamily="34" charset="0"/>
-              </a:rPr>
-              <a:t>every month</a:t>
+              <a:t>At least one every month</a:t>
             </a:r>
           </a:p>
           <a:p>
@@ -24217,7 +24197,7 @@
         </p:blipFill>
         <p:spPr bwMode="auto">
           <a:xfrm>
-            <a:off x="529208" y="1052736"/>
+            <a:off x="608720" y="844017"/>
             <a:ext cx="2530624" cy="3501836"/>
           </a:xfrm>
           <a:prstGeom prst="rect">
@@ -24235,14 +24215,14 @@
       </p:pic>
       <p:sp>
         <p:nvSpPr>
-          <p:cNvPr id="7" name="Прямоугольник 10"/>
+          <p:cNvPr id="8" name="Прямоугольник 10"/>
           <p:cNvSpPr/>
           <p:nvPr/>
         </p:nvSpPr>
         <p:spPr>
           <a:xfrm>
-            <a:off x="529208" y="4545124"/>
-            <a:ext cx="2530624" cy="1296144"/>
+            <a:off x="529208" y="4351413"/>
+            <a:ext cx="2998676" cy="1764196"/>
           </a:xfrm>
           <a:prstGeom prst="rect">
             <a:avLst/>
@@ -24305,7 +24285,105 @@
           </a:p>
           <a:p>
             <a:pPr algn="just"/>
-            <a:endParaRPr lang="en-US" noProof="1" smtClean="0">
+            <a:endParaRPr lang="en-US" sz="1000" noProof="1" smtClean="0">
+              <a:solidFill>
+                <a:srgbClr val="0000FF"/>
+              </a:solidFill>
+              <a:latin typeface="Arial" panose="020B0604020202020204" pitchFamily="34" charset="0"/>
+              <a:cs typeface="Arial" panose="020B0604020202020204" pitchFamily="34" charset="0"/>
+            </a:endParaRPr>
+          </a:p>
+          <a:p>
+            <a:pPr algn="just"/>
+            <a:r>
+              <a:rPr lang="en-US" sz="1400" noProof="1" smtClean="0">
+                <a:solidFill>
+                  <a:srgbClr val="0000FF"/>
+                </a:solidFill>
+                <a:latin typeface="Arial" panose="020B0604020202020204" pitchFamily="34" charset="0"/>
+                <a:cs typeface="Arial" panose="020B0604020202020204" pitchFamily="34" charset="0"/>
+                <a:hlinkClick r:id="rId3"/>
+              </a:rPr>
+              <a:t>oleksiy.rudenko@gmail.com</a:t>
+            </a:r>
+            <a:endParaRPr lang="en-US" sz="1400" noProof="1" smtClean="0">
+              <a:solidFill>
+                <a:srgbClr val="0000FF"/>
+              </a:solidFill>
+              <a:latin typeface="Arial" panose="020B0604020202020204" pitchFamily="34" charset="0"/>
+              <a:cs typeface="Arial" panose="020B0604020202020204" pitchFamily="34" charset="0"/>
+            </a:endParaRPr>
+          </a:p>
+          <a:p>
+            <a:pPr algn="just"/>
+            <a:endParaRPr lang="en-US" sz="1000" noProof="1" smtClean="0">
+              <a:solidFill>
+                <a:srgbClr val="0000FF"/>
+              </a:solidFill>
+              <a:latin typeface="Arial" panose="020B0604020202020204" pitchFamily="34" charset="0"/>
+              <a:cs typeface="Arial" panose="020B0604020202020204" pitchFamily="34" charset="0"/>
+            </a:endParaRPr>
+          </a:p>
+          <a:p>
+            <a:pPr algn="just">
+              <a:defRPr/>
+            </a:pPr>
+            <a:r>
+              <a:rPr lang="en-US" sz="1000" noProof="1" smtClean="0">
+                <a:solidFill>
+                  <a:srgbClr val="0070C0"/>
+                </a:solidFill>
+                <a:latin typeface="Arial" panose="020B0604020202020204" pitchFamily="34" charset="0"/>
+                <a:cs typeface="Arial" panose="020B0604020202020204" pitchFamily="34" charset="0"/>
+                <a:hlinkClick r:id="rId4"/>
+              </a:rPr>
+              <a:t>http</a:t>
+            </a:r>
+            <a:r>
+              <a:rPr lang="en-US" sz="1000" noProof="1" smtClean="0">
+                <a:solidFill>
+                  <a:srgbClr val="0070C0"/>
+                </a:solidFill>
+                <a:latin typeface="Arial" panose="020B0604020202020204" pitchFamily="34" charset="0"/>
+                <a:cs typeface="Arial" panose="020B0604020202020204" pitchFamily="34" charset="0"/>
+                <a:hlinkClick r:id="rId4"/>
+              </a:rPr>
+              <a:t>://</a:t>
+            </a:r>
+            <a:r>
+              <a:rPr lang="en-US" sz="1200" b="1" noProof="1" smtClean="0">
+                <a:solidFill>
+                  <a:srgbClr val="0070C0"/>
+                </a:solidFill>
+                <a:latin typeface="Arial" panose="020B0604020202020204" pitchFamily="34" charset="0"/>
+                <a:cs typeface="Arial" panose="020B0604020202020204" pitchFamily="34" charset="0"/>
+                <a:hlinkClick r:id="rId4"/>
+              </a:rPr>
+              <a:t>fb.com</a:t>
+            </a:r>
+            <a:r>
+              <a:rPr lang="en-US" sz="1200" noProof="1" smtClean="0">
+                <a:solidFill>
+                  <a:srgbClr val="0070C0"/>
+                </a:solidFill>
+                <a:latin typeface="Arial" panose="020B0604020202020204" pitchFamily="34" charset="0"/>
+                <a:cs typeface="Arial" panose="020B0604020202020204" pitchFamily="34" charset="0"/>
+                <a:hlinkClick r:id="rId4"/>
+              </a:rPr>
+              <a:t>/</a:t>
+            </a:r>
+            <a:r>
+              <a:rPr lang="en-US" sz="1200" b="1" noProof="1" smtClean="0">
+                <a:solidFill>
+                  <a:srgbClr val="0070C0"/>
+                </a:solidFill>
+                <a:latin typeface="Arial" panose="020B0604020202020204" pitchFamily="34" charset="0"/>
+                <a:cs typeface="Arial" panose="020B0604020202020204" pitchFamily="34" charset="0"/>
+                <a:hlinkClick r:id="rId4"/>
+              </a:rPr>
+              <a:t>oleksiy.rudenko.5</a:t>
+            </a:r>
+            <a:endParaRPr lang="en-US" sz="1200" b="1" noProof="1" smtClean="0">
               <a:solidFill>
                 <a:srgbClr val="0070C0"/>
               </a:solidFill>
@@ -24314,21 +24392,100 @@
             </a:endParaRPr>
           </a:p>
           <a:p>
-            <a:pPr algn="just"/>
-            <a:r>
-              <a:rPr lang="en-US" sz="1400" noProof="1" smtClean="0">
+            <a:pPr algn="just">
+              <a:defRPr/>
+            </a:pPr>
+            <a:endParaRPr lang="en-US" sz="1000" b="1" noProof="1" smtClean="0">
+              <a:solidFill>
+                <a:srgbClr val="0070C0"/>
+              </a:solidFill>
+              <a:latin typeface="Arial" panose="020B0604020202020204" pitchFamily="34" charset="0"/>
+              <a:cs typeface="Arial" panose="020B0604020202020204" pitchFamily="34" charset="0"/>
+            </a:endParaRPr>
+          </a:p>
+          <a:p>
+            <a:pPr algn="just">
+              <a:defRPr/>
+            </a:pPr>
+            <a:r>
+              <a:rPr lang="en-US" sz="1000" noProof="1" smtClean="0">
                 <a:solidFill>
                   <a:srgbClr val="0070C0"/>
                 </a:solidFill>
                 <a:latin typeface="Arial" panose="020B0604020202020204" pitchFamily="34" charset="0"/>
                 <a:cs typeface="Arial" panose="020B0604020202020204" pitchFamily="34" charset="0"/>
-                <a:hlinkClick r:id="rId3"/>
+                <a:hlinkClick r:id="rId5"/>
               </a:rPr>
-              <a:t>oleksiy.rudenko@gmail.com</a:t>
-            </a:r>
+              <a:t>http://</a:t>
+            </a:r>
+            <a:r>
+              <a:rPr lang="en-US" sz="1200" b="1" noProof="1" smtClean="0">
+                <a:solidFill>
+                  <a:srgbClr val="0070C0"/>
+                </a:solidFill>
+                <a:latin typeface="Arial" panose="020B0604020202020204" pitchFamily="34" charset="0"/>
+                <a:cs typeface="Arial" panose="020B0604020202020204" pitchFamily="34" charset="0"/>
+                <a:hlinkClick r:id="rId5"/>
+              </a:rPr>
+              <a:t>linkedin.com</a:t>
+            </a:r>
+            <a:r>
+              <a:rPr lang="en-US" sz="1200" noProof="1" smtClean="0">
+                <a:solidFill>
+                  <a:srgbClr val="0070C0"/>
+                </a:solidFill>
+                <a:latin typeface="Arial" panose="020B0604020202020204" pitchFamily="34" charset="0"/>
+                <a:cs typeface="Arial" panose="020B0604020202020204" pitchFamily="34" charset="0"/>
+                <a:hlinkClick r:id="rId5"/>
+              </a:rPr>
+              <a:t>/</a:t>
+            </a:r>
+            <a:r>
+              <a:rPr lang="en-US" sz="1200" b="1" noProof="1" smtClean="0">
+                <a:solidFill>
+                  <a:srgbClr val="0070C0"/>
+                </a:solidFill>
+                <a:latin typeface="Arial" panose="020B0604020202020204" pitchFamily="34" charset="0"/>
+                <a:cs typeface="Arial" panose="020B0604020202020204" pitchFamily="34" charset="0"/>
+                <a:hlinkClick r:id="rId5"/>
+              </a:rPr>
+              <a:t>in</a:t>
+            </a:r>
+            <a:r>
+              <a:rPr lang="en-US" sz="1200" noProof="1" smtClean="0">
+                <a:solidFill>
+                  <a:srgbClr val="0070C0"/>
+                </a:solidFill>
+                <a:latin typeface="Arial" panose="020B0604020202020204" pitchFamily="34" charset="0"/>
+                <a:cs typeface="Arial" panose="020B0604020202020204" pitchFamily="34" charset="0"/>
+                <a:hlinkClick r:id="rId5"/>
+              </a:rPr>
+              <a:t>/</a:t>
+            </a:r>
+            <a:r>
+              <a:rPr lang="en-US" sz="1200" b="1" noProof="1" smtClean="0">
+                <a:solidFill>
+                  <a:srgbClr val="0070C0"/>
+                </a:solidFill>
+                <a:latin typeface="Arial" panose="020B0604020202020204" pitchFamily="34" charset="0"/>
+                <a:cs typeface="Arial" panose="020B0604020202020204" pitchFamily="34" charset="0"/>
+                <a:hlinkClick r:id="rId5"/>
+              </a:rPr>
+              <a:t>oleksiyrudenko</a:t>
+            </a:r>
+            <a:endParaRPr lang="en-US" sz="1400" b="1" noProof="1" smtClean="0">
+              <a:solidFill>
+                <a:srgbClr val="0070C0"/>
+              </a:solidFill>
+              <a:latin typeface="Arial" panose="020B0604020202020204" pitchFamily="34" charset="0"/>
+              <a:cs typeface="Arial" panose="020B0604020202020204" pitchFamily="34" charset="0"/>
+            </a:endParaRPr>
+          </a:p>
+          <a:p>
+            <a:pPr algn="just"/>
             <a:endParaRPr lang="en-US" sz="1400" noProof="1" smtClean="0">
               <a:solidFill>
-                <a:srgbClr val="0070C0"/>
+                <a:srgbClr val="0000FF"/>
               </a:solidFill>
               <a:latin typeface="Arial" panose="020B0604020202020204" pitchFamily="34" charset="0"/>
               <a:cs typeface="Arial" panose="020B0604020202020204" pitchFamily="34" charset="0"/>
